--- a/工作日報_葉柏漢/2021.09/2021.09.06(加班)~2021.09.07工作日報_葉柏漢.pptx
+++ b/工作日報_葉柏漢/2021.09/2021.09.06(加班)~2021.09.07工作日報_葉柏漢.pptx
@@ -116,7 +116,7 @@
   </p:defaultTextStyle>
   <p:extLst>
     <p:ext uri="{EFAFB233-063F-42B5-8137-9DF3F51BA10A}">
-      <p15:sldGuideLst xmlns:p15="http://schemas.microsoft.com/office/powerpoint/2012/main" xmlns="">
+      <p15:sldGuideLst xmlns="" xmlns:p15="http://schemas.microsoft.com/office/powerpoint/2012/main">
         <p15:guide id="1" orient="horz" pos="2160" userDrawn="1">
           <p15:clr>
             <a:srgbClr val="A4A3A4"/>
@@ -4378,7 +4378,7 @@
           <p:cNvPr id="18" name="矩形: 圆角 17">
             <a:extLst>
               <a:ext uri="{FF2B5EF4-FFF2-40B4-BE49-F238E27FC236}">
-                <a16:creationId xmlns:a16="http://schemas.microsoft.com/office/drawing/2014/main" xmlns="" id="{822EAB1A-0613-4B84-B43A-020769A84C2F}"/>
+                <a16:creationId xmlns="" xmlns:a16="http://schemas.microsoft.com/office/drawing/2014/main" id="{822EAB1A-0613-4B84-B43A-020769A84C2F}"/>
               </a:ext>
             </a:extLst>
           </p:cNvPr>
@@ -4444,7 +4444,7 @@
           <p:cNvPr id="4" name="矩形: 圆角 3">
             <a:extLst>
               <a:ext uri="{FF2B5EF4-FFF2-40B4-BE49-F238E27FC236}">
-                <a16:creationId xmlns:a16="http://schemas.microsoft.com/office/drawing/2014/main" xmlns="" id="{CFAF4C25-9AB4-4329-B21C-0F7CB88F0784}"/>
+                <a16:creationId xmlns="" xmlns:a16="http://schemas.microsoft.com/office/drawing/2014/main" id="{CFAF4C25-9AB4-4329-B21C-0F7CB88F0784}"/>
               </a:ext>
             </a:extLst>
           </p:cNvPr>
@@ -4510,7 +4510,7 @@
           <p:cNvPr id="5" name="文本框 4">
             <a:extLst>
               <a:ext uri="{FF2B5EF4-FFF2-40B4-BE49-F238E27FC236}">
-                <a16:creationId xmlns:a16="http://schemas.microsoft.com/office/drawing/2014/main" xmlns="" id="{959F8909-6800-4D81-9559-FFAEB41A80C1}"/>
+                <a16:creationId xmlns="" xmlns:a16="http://schemas.microsoft.com/office/drawing/2014/main" id="{959F8909-6800-4D81-9559-FFAEB41A80C1}"/>
               </a:ext>
             </a:extLst>
           </p:cNvPr>
@@ -4588,7 +4588,7 @@
           <p:cNvPr id="6" name="文本框 5">
             <a:extLst>
               <a:ext uri="{FF2B5EF4-FFF2-40B4-BE49-F238E27FC236}">
-                <a16:creationId xmlns:a16="http://schemas.microsoft.com/office/drawing/2014/main" xmlns="" id="{F8829203-F363-4337-ACAC-0D2C4AE6A337}"/>
+                <a16:creationId xmlns="" xmlns:a16="http://schemas.microsoft.com/office/drawing/2014/main" id="{F8829203-F363-4337-ACAC-0D2C4AE6A337}"/>
               </a:ext>
             </a:extLst>
           </p:cNvPr>
@@ -4655,7 +4655,7 @@
           <p:cNvPr id="8" name="椭圆 7">
             <a:extLst>
               <a:ext uri="{FF2B5EF4-FFF2-40B4-BE49-F238E27FC236}">
-                <a16:creationId xmlns:a16="http://schemas.microsoft.com/office/drawing/2014/main" xmlns="" id="{08B93554-9443-4291-83BC-91BEC5088783}"/>
+                <a16:creationId xmlns="" xmlns:a16="http://schemas.microsoft.com/office/drawing/2014/main" id="{08B93554-9443-4291-83BC-91BEC5088783}"/>
               </a:ext>
             </a:extLst>
           </p:cNvPr>
@@ -4717,7 +4717,7 @@
           <p:cNvPr id="9" name="椭圆 8">
             <a:extLst>
               <a:ext uri="{FF2B5EF4-FFF2-40B4-BE49-F238E27FC236}">
-                <a16:creationId xmlns:a16="http://schemas.microsoft.com/office/drawing/2014/main" xmlns="" id="{16338DEE-2916-4AC7-A537-1507B9F2A824}"/>
+                <a16:creationId xmlns="" xmlns:a16="http://schemas.microsoft.com/office/drawing/2014/main" id="{16338DEE-2916-4AC7-A537-1507B9F2A824}"/>
               </a:ext>
             </a:extLst>
           </p:cNvPr>
@@ -4779,7 +4779,7 @@
           <p:cNvPr id="13" name="组合 12">
             <a:extLst>
               <a:ext uri="{FF2B5EF4-FFF2-40B4-BE49-F238E27FC236}">
-                <a16:creationId xmlns:a16="http://schemas.microsoft.com/office/drawing/2014/main" xmlns="" id="{C0EF9AE3-F1B9-443C-9F86-CDF322936010}"/>
+                <a16:creationId xmlns="" xmlns:a16="http://schemas.microsoft.com/office/drawing/2014/main" id="{C0EF9AE3-F1B9-443C-9F86-CDF322936010}"/>
               </a:ext>
             </a:extLst>
           </p:cNvPr>
@@ -4799,7 +4799,7 @@
             <p:cNvPr id="12" name="矩形: 圆角 11">
               <a:extLst>
                 <a:ext uri="{FF2B5EF4-FFF2-40B4-BE49-F238E27FC236}">
-                  <a16:creationId xmlns:a16="http://schemas.microsoft.com/office/drawing/2014/main" xmlns="" id="{4E9D624C-B884-49D6-955A-058878E5E13C}"/>
+                  <a16:creationId xmlns="" xmlns:a16="http://schemas.microsoft.com/office/drawing/2014/main" id="{4E9D624C-B884-49D6-955A-058878E5E13C}"/>
                 </a:ext>
               </a:extLst>
             </p:cNvPr>
@@ -4863,7 +4863,7 @@
             <p:cNvPr id="10" name="文本框 9">
               <a:extLst>
                 <a:ext uri="{FF2B5EF4-FFF2-40B4-BE49-F238E27FC236}">
-                  <a16:creationId xmlns:a16="http://schemas.microsoft.com/office/drawing/2014/main" xmlns="" id="{D7F488F0-218D-4123-B444-742EAD00AD0E}"/>
+                  <a16:creationId xmlns="" xmlns:a16="http://schemas.microsoft.com/office/drawing/2014/main" id="{D7F488F0-218D-4123-B444-742EAD00AD0E}"/>
                 </a:ext>
               </a:extLst>
             </p:cNvPr>
@@ -4921,7 +4921,7 @@
           <p:cNvPr id="16" name="组合 15">
             <a:extLst>
               <a:ext uri="{FF2B5EF4-FFF2-40B4-BE49-F238E27FC236}">
-                <a16:creationId xmlns:a16="http://schemas.microsoft.com/office/drawing/2014/main" xmlns="" id="{9653DEAF-0910-48E8-8375-9FC078E9D0D6}"/>
+                <a16:creationId xmlns="" xmlns:a16="http://schemas.microsoft.com/office/drawing/2014/main" id="{9653DEAF-0910-48E8-8375-9FC078E9D0D6}"/>
               </a:ext>
             </a:extLst>
           </p:cNvPr>
@@ -4941,7 +4941,7 @@
             <p:cNvPr id="15" name="矩形: 圆角 14">
               <a:extLst>
                 <a:ext uri="{FF2B5EF4-FFF2-40B4-BE49-F238E27FC236}">
-                  <a16:creationId xmlns:a16="http://schemas.microsoft.com/office/drawing/2014/main" xmlns="" id="{CC29E14A-0550-4BFF-99D2-A94938E4EB84}"/>
+                  <a16:creationId xmlns="" xmlns:a16="http://schemas.microsoft.com/office/drawing/2014/main" id="{CC29E14A-0550-4BFF-99D2-A94938E4EB84}"/>
                 </a:ext>
               </a:extLst>
             </p:cNvPr>
@@ -5005,7 +5005,7 @@
             <p:cNvPr id="11" name="文本框 10">
               <a:extLst>
                 <a:ext uri="{FF2B5EF4-FFF2-40B4-BE49-F238E27FC236}">
-                  <a16:creationId xmlns:a16="http://schemas.microsoft.com/office/drawing/2014/main" xmlns="" id="{333307C3-A861-42E7-A2DA-6BAC1BCA9E3C}"/>
+                  <a16:creationId xmlns="" xmlns:a16="http://schemas.microsoft.com/office/drawing/2014/main" id="{333307C3-A861-42E7-A2DA-6BAC1BCA9E3C}"/>
                 </a:ext>
               </a:extLst>
             </p:cNvPr>
@@ -5063,7 +5063,7 @@
           <p:cNvPr id="17" name="组合 15">
             <a:extLst>
               <a:ext uri="{FF2B5EF4-FFF2-40B4-BE49-F238E27FC236}">
-                <a16:creationId xmlns:a16="http://schemas.microsoft.com/office/drawing/2014/main" xmlns="" id="{9653DEAF-0910-48E8-8375-9FC078E9D0D6}"/>
+                <a16:creationId xmlns="" xmlns:a16="http://schemas.microsoft.com/office/drawing/2014/main" id="{9653DEAF-0910-48E8-8375-9FC078E9D0D6}"/>
               </a:ext>
             </a:extLst>
           </p:cNvPr>
@@ -5083,7 +5083,7 @@
             <p:cNvPr id="19" name="矩形: 圆角 14">
               <a:extLst>
                 <a:ext uri="{FF2B5EF4-FFF2-40B4-BE49-F238E27FC236}">
-                  <a16:creationId xmlns:a16="http://schemas.microsoft.com/office/drawing/2014/main" xmlns="" id="{CC29E14A-0550-4BFF-99D2-A94938E4EB84}"/>
+                  <a16:creationId xmlns="" xmlns:a16="http://schemas.microsoft.com/office/drawing/2014/main" id="{CC29E14A-0550-4BFF-99D2-A94938E4EB84}"/>
                 </a:ext>
               </a:extLst>
             </p:cNvPr>
@@ -5147,7 +5147,7 @@
             <p:cNvPr id="20" name="文本框 10">
               <a:extLst>
                 <a:ext uri="{FF2B5EF4-FFF2-40B4-BE49-F238E27FC236}">
-                  <a16:creationId xmlns:a16="http://schemas.microsoft.com/office/drawing/2014/main" xmlns="" id="{333307C3-A861-42E7-A2DA-6BAC1BCA9E3C}"/>
+                  <a16:creationId xmlns="" xmlns:a16="http://schemas.microsoft.com/office/drawing/2014/main" id="{333307C3-A861-42E7-A2DA-6BAC1BCA9E3C}"/>
                 </a:ext>
               </a:extLst>
             </p:cNvPr>
@@ -5240,7 +5240,7 @@
         <p:random/>
       </p:transition>
     </mc:Choice>
-    <mc:Fallback xmlns="" xmlns:a16="http://schemas.microsoft.com/office/drawing/2014/main">
+    <mc:Fallback xmlns:a16="http://schemas.microsoft.com/office/drawing/2014/main" xmlns="">
       <p:transition spd="slow" advTm="4078">
         <p:random/>
       </p:transition>
@@ -5697,7 +5697,7 @@
           <p:cNvPr id="7" name="组合 6">
             <a:extLst>
               <a:ext uri="{FF2B5EF4-FFF2-40B4-BE49-F238E27FC236}">
-                <a16:creationId xmlns:a16="http://schemas.microsoft.com/office/drawing/2014/main" xmlns="" id="{5016DF47-4C78-4917-983C-FFC43C3A22DB}"/>
+                <a16:creationId xmlns="" xmlns:a16="http://schemas.microsoft.com/office/drawing/2014/main" id="{5016DF47-4C78-4917-983C-FFC43C3A22DB}"/>
               </a:ext>
             </a:extLst>
           </p:cNvPr>
@@ -5717,7 +5717,7 @@
             <p:cNvPr id="4" name="文本框 3">
               <a:extLst>
                 <a:ext uri="{FF2B5EF4-FFF2-40B4-BE49-F238E27FC236}">
-                  <a16:creationId xmlns:a16="http://schemas.microsoft.com/office/drawing/2014/main" xmlns="" id="{09FE6907-8676-429A-9B5A-DC3FAFE110A8}"/>
+                  <a16:creationId xmlns="" xmlns:a16="http://schemas.microsoft.com/office/drawing/2014/main" id="{09FE6907-8676-429A-9B5A-DC3FAFE110A8}"/>
                 </a:ext>
               </a:extLst>
             </p:cNvPr>
@@ -5759,7 +5759,7 @@
             <p:cNvPr id="6" name="文本框 5">
               <a:extLst>
                 <a:ext uri="{FF2B5EF4-FFF2-40B4-BE49-F238E27FC236}">
-                  <a16:creationId xmlns:a16="http://schemas.microsoft.com/office/drawing/2014/main" xmlns="" id="{6123FD62-F930-464F-86A1-4D1030B58358}"/>
+                  <a16:creationId xmlns="" xmlns:a16="http://schemas.microsoft.com/office/drawing/2014/main" id="{6123FD62-F930-464F-86A1-4D1030B58358}"/>
                 </a:ext>
               </a:extLst>
             </p:cNvPr>
@@ -5816,7 +5816,7 @@
           <p:cNvPr id="8" name="文本框 7">
             <a:extLst>
               <a:ext uri="{FF2B5EF4-FFF2-40B4-BE49-F238E27FC236}">
-                <a16:creationId xmlns:a16="http://schemas.microsoft.com/office/drawing/2014/main" xmlns="" id="{61D68AC2-6217-4618-9FF2-2840E7AAD8C2}"/>
+                <a16:creationId xmlns="" xmlns:a16="http://schemas.microsoft.com/office/drawing/2014/main" id="{61D68AC2-6217-4618-9FF2-2840E7AAD8C2}"/>
               </a:ext>
             </a:extLst>
           </p:cNvPr>
@@ -5826,7 +5826,7 @@
         <p:spPr>
           <a:xfrm>
             <a:off x="213983" y="2681640"/>
-            <a:ext cx="6480116" cy="1015663"/>
+            <a:ext cx="6480116" cy="1631216"/>
           </a:xfrm>
           <a:prstGeom prst="rect">
             <a:avLst/>
@@ -5908,6 +5908,40 @@
               </a:rPr>
               <a:t>bug</a:t>
             </a:r>
+          </a:p>
+          <a:p>
+            <a:pPr marL="342900" indent="-342900">
+              <a:buFont typeface="Wingdings" panose="05000000000000000000" pitchFamily="2" charset="2"/>
+              <a:buChar char="l"/>
+            </a:pPr>
+            <a:endParaRPr lang="en-US" altLang="zh-TW" sz="2000" spc="400" dirty="0">
+              <a:cs typeface="+mn-ea"/>
+              <a:sym typeface="+mn-lt"/>
+            </a:endParaRPr>
+          </a:p>
+          <a:p>
+            <a:pPr marL="342900" indent="-342900">
+              <a:buFont typeface="Wingdings" panose="05000000000000000000" pitchFamily="2" charset="2"/>
+              <a:buChar char="l"/>
+            </a:pPr>
+            <a:r>
+              <a:rPr lang="zh-TW" altLang="en-US" sz="2000" spc="400" dirty="0" smtClean="0">
+                <a:cs typeface="+mn-ea"/>
+                <a:sym typeface="+mn-lt"/>
+              </a:rPr>
+              <a:t>將做好的功能放置網站上並修改</a:t>
+            </a:r>
+            <a:r>
+              <a:rPr lang="en-US" altLang="zh-TW" sz="2000" spc="400" dirty="0" smtClean="0">
+                <a:cs typeface="+mn-ea"/>
+                <a:sym typeface="+mn-lt"/>
+              </a:rPr>
+              <a:t>bug</a:t>
+            </a:r>
+            <a:endParaRPr lang="en-US" altLang="zh-TW" sz="2000" spc="400" dirty="0" smtClean="0">
+              <a:cs typeface="+mn-ea"/>
+              <a:sym typeface="+mn-lt"/>
+            </a:endParaRPr>
           </a:p>
         </p:txBody>
       </p:sp>
@@ -5960,7 +5994,7 @@
         <p:random/>
       </p:transition>
     </mc:Choice>
-    <mc:Fallback xmlns="" xmlns:a16="http://schemas.microsoft.com/office/drawing/2014/main" xmlns:a14="http://schemas.microsoft.com/office/drawing/2010/main">
+    <mc:Fallback xmlns:a14="http://schemas.microsoft.com/office/drawing/2010/main" xmlns:a16="http://schemas.microsoft.com/office/drawing/2014/main" xmlns="">
       <p:transition spd="slow" advTm="4024">
         <p:random/>
       </p:transition>
@@ -6130,7 +6164,7 @@
           <p:cNvPr id="2" name="矩形 1">
             <a:extLst>
               <a:ext uri="{FF2B5EF4-FFF2-40B4-BE49-F238E27FC236}">
-                <a16:creationId xmlns:a16="http://schemas.microsoft.com/office/drawing/2014/main" xmlns="" id="{6130B33B-FCB5-4AFA-8175-BA08126D80E1}"/>
+                <a16:creationId xmlns="" xmlns:a16="http://schemas.microsoft.com/office/drawing/2014/main" id="{6130B33B-FCB5-4AFA-8175-BA08126D80E1}"/>
               </a:ext>
             </a:extLst>
           </p:cNvPr>
@@ -6188,7 +6222,7 @@
           <p:cNvPr id="3" name="组合 2">
             <a:extLst>
               <a:ext uri="{FF2B5EF4-FFF2-40B4-BE49-F238E27FC236}">
-                <a16:creationId xmlns:a16="http://schemas.microsoft.com/office/drawing/2014/main" xmlns="" id="{CF3B8F59-C87E-48F7-911B-3FCC3B1922F9}"/>
+                <a16:creationId xmlns="" xmlns:a16="http://schemas.microsoft.com/office/drawing/2014/main" id="{CF3B8F59-C87E-48F7-911B-3FCC3B1922F9}"/>
               </a:ext>
             </a:extLst>
           </p:cNvPr>
@@ -6208,7 +6242,7 @@
             <p:cNvPr id="4" name="文本框 3">
               <a:extLst>
                 <a:ext uri="{FF2B5EF4-FFF2-40B4-BE49-F238E27FC236}">
-                  <a16:creationId xmlns:a16="http://schemas.microsoft.com/office/drawing/2014/main" xmlns="" id="{F069F7C5-7C6B-4416-BA43-7E9FF2B95F70}"/>
+                  <a16:creationId xmlns="" xmlns:a16="http://schemas.microsoft.com/office/drawing/2014/main" id="{F069F7C5-7C6B-4416-BA43-7E9FF2B95F70}"/>
                 </a:ext>
               </a:extLst>
             </p:cNvPr>
@@ -6251,7 +6285,7 @@
             <p:cNvPr id="5" name="文本框 4">
               <a:extLst>
                 <a:ext uri="{FF2B5EF4-FFF2-40B4-BE49-F238E27FC236}">
-                  <a16:creationId xmlns:a16="http://schemas.microsoft.com/office/drawing/2014/main" xmlns="" id="{E7404F6D-3A40-4203-8F0A-6169C74FB4CA}"/>
+                  <a16:creationId xmlns="" xmlns:a16="http://schemas.microsoft.com/office/drawing/2014/main" id="{E7404F6D-3A40-4203-8F0A-6169C74FB4CA}"/>
                 </a:ext>
               </a:extLst>
             </p:cNvPr>
@@ -6669,7 +6703,7 @@
           <p:cNvPr id="2" name="矩形 1">
             <a:extLst>
               <a:ext uri="{FF2B5EF4-FFF2-40B4-BE49-F238E27FC236}">
-                <a16:creationId xmlns:a16="http://schemas.microsoft.com/office/drawing/2014/main" xmlns="" id="{6130B33B-FCB5-4AFA-8175-BA08126D80E1}"/>
+                <a16:creationId xmlns="" xmlns:a16="http://schemas.microsoft.com/office/drawing/2014/main" id="{6130B33B-FCB5-4AFA-8175-BA08126D80E1}"/>
               </a:ext>
             </a:extLst>
           </p:cNvPr>
@@ -6727,7 +6761,7 @@
           <p:cNvPr id="3" name="组合 2">
             <a:extLst>
               <a:ext uri="{FF2B5EF4-FFF2-40B4-BE49-F238E27FC236}">
-                <a16:creationId xmlns:a16="http://schemas.microsoft.com/office/drawing/2014/main" xmlns="" id="{CF3B8F59-C87E-48F7-911B-3FCC3B1922F9}"/>
+                <a16:creationId xmlns="" xmlns:a16="http://schemas.microsoft.com/office/drawing/2014/main" id="{CF3B8F59-C87E-48F7-911B-3FCC3B1922F9}"/>
               </a:ext>
             </a:extLst>
           </p:cNvPr>
@@ -6747,7 +6781,7 @@
             <p:cNvPr id="4" name="文本框 3">
               <a:extLst>
                 <a:ext uri="{FF2B5EF4-FFF2-40B4-BE49-F238E27FC236}">
-                  <a16:creationId xmlns:a16="http://schemas.microsoft.com/office/drawing/2014/main" xmlns="" id="{F069F7C5-7C6B-4416-BA43-7E9FF2B95F70}"/>
+                  <a16:creationId xmlns="" xmlns:a16="http://schemas.microsoft.com/office/drawing/2014/main" id="{F069F7C5-7C6B-4416-BA43-7E9FF2B95F70}"/>
                 </a:ext>
               </a:extLst>
             </p:cNvPr>
@@ -6790,7 +6824,7 @@
             <p:cNvPr id="5" name="文本框 4">
               <a:extLst>
                 <a:ext uri="{FF2B5EF4-FFF2-40B4-BE49-F238E27FC236}">
-                  <a16:creationId xmlns:a16="http://schemas.microsoft.com/office/drawing/2014/main" xmlns="" id="{E7404F6D-3A40-4203-8F0A-6169C74FB4CA}"/>
+                  <a16:creationId xmlns="" xmlns:a16="http://schemas.microsoft.com/office/drawing/2014/main" id="{E7404F6D-3A40-4203-8F0A-6169C74FB4CA}"/>
                 </a:ext>
               </a:extLst>
             </p:cNvPr>
@@ -7200,7 +7234,7 @@
           <p:cNvPr id="2" name="矩形 1">
             <a:extLst>
               <a:ext uri="{FF2B5EF4-FFF2-40B4-BE49-F238E27FC236}">
-                <a16:creationId xmlns:a16="http://schemas.microsoft.com/office/drawing/2014/main" xmlns="" id="{6130B33B-FCB5-4AFA-8175-BA08126D80E1}"/>
+                <a16:creationId xmlns="" xmlns:a16="http://schemas.microsoft.com/office/drawing/2014/main" id="{6130B33B-FCB5-4AFA-8175-BA08126D80E1}"/>
               </a:ext>
             </a:extLst>
           </p:cNvPr>
@@ -7258,7 +7292,7 @@
           <p:cNvPr id="3" name="组合 2">
             <a:extLst>
               <a:ext uri="{FF2B5EF4-FFF2-40B4-BE49-F238E27FC236}">
-                <a16:creationId xmlns:a16="http://schemas.microsoft.com/office/drawing/2014/main" xmlns="" id="{CF3B8F59-C87E-48F7-911B-3FCC3B1922F9}"/>
+                <a16:creationId xmlns="" xmlns:a16="http://schemas.microsoft.com/office/drawing/2014/main" id="{CF3B8F59-C87E-48F7-911B-3FCC3B1922F9}"/>
               </a:ext>
             </a:extLst>
           </p:cNvPr>
@@ -7278,7 +7312,7 @@
             <p:cNvPr id="4" name="文本框 3">
               <a:extLst>
                 <a:ext uri="{FF2B5EF4-FFF2-40B4-BE49-F238E27FC236}">
-                  <a16:creationId xmlns:a16="http://schemas.microsoft.com/office/drawing/2014/main" xmlns="" id="{F069F7C5-7C6B-4416-BA43-7E9FF2B95F70}"/>
+                  <a16:creationId xmlns="" xmlns:a16="http://schemas.microsoft.com/office/drawing/2014/main" id="{F069F7C5-7C6B-4416-BA43-7E9FF2B95F70}"/>
                 </a:ext>
               </a:extLst>
             </p:cNvPr>
@@ -7307,7 +7341,14 @@
                   <a:cs typeface="+mn-ea"/>
                   <a:sym typeface="+mn-lt"/>
                 </a:rPr>
-                <a:t>溫室型式設計</a:t>
+                <a:t>修改</a:t>
+              </a:r>
+              <a:r>
+                <a:rPr lang="en-US" altLang="zh-TW" sz="4000" spc="400" dirty="0">
+                  <a:cs typeface="+mn-ea"/>
+                  <a:sym typeface="+mn-lt"/>
+                </a:rPr>
+                <a:t>bug</a:t>
               </a:r>
               <a:endParaRPr lang="zh-CN" altLang="en-US" sz="4000" dirty="0">
                 <a:cs typeface="+mn-ea"/>
@@ -7321,7 +7362,7 @@
             <p:cNvPr id="5" name="文本框 4">
               <a:extLst>
                 <a:ext uri="{FF2B5EF4-FFF2-40B4-BE49-F238E27FC236}">
-                  <a16:creationId xmlns:a16="http://schemas.microsoft.com/office/drawing/2014/main" xmlns="" id="{E7404F6D-3A40-4203-8F0A-6169C74FB4CA}"/>
+                  <a16:creationId xmlns="" xmlns:a16="http://schemas.microsoft.com/office/drawing/2014/main" id="{E7404F6D-3A40-4203-8F0A-6169C74FB4CA}"/>
                 </a:ext>
               </a:extLst>
             </p:cNvPr>
@@ -7367,6 +7408,134 @@
           </p:txBody>
         </p:sp>
       </p:grpSp>
+      <p:sp>
+        <p:nvSpPr>
+          <p:cNvPr id="6" name="文字方塊 5"/>
+          <p:cNvSpPr txBox="1"/>
+          <p:nvPr/>
+        </p:nvSpPr>
+        <p:spPr>
+          <a:xfrm>
+            <a:off x="1982624" y="1974078"/>
+            <a:ext cx="10209376" cy="2677656"/>
+          </a:xfrm>
+          <a:prstGeom prst="rect">
+            <a:avLst/>
+          </a:prstGeom>
+          <a:noFill/>
+        </p:spPr>
+        <p:txBody>
+          <a:bodyPr wrap="square" rtlCol="0">
+            <a:spAutoFit/>
+          </a:bodyPr>
+          <a:lstStyle/>
+          <a:p>
+            <a:r>
+              <a:rPr lang="zh-TW" altLang="en-US" sz="2400" dirty="0"/>
+              <a:t>遇到了以下</a:t>
+            </a:r>
+            <a:r>
+              <a:rPr lang="zh-TW" altLang="en-US" sz="2400" dirty="0" smtClean="0"/>
+              <a:t>幾點</a:t>
+            </a:r>
+            <a:r>
+              <a:rPr lang="en-US" altLang="zh-TW" sz="2400" dirty="0" smtClean="0"/>
+              <a:t>bug(</a:t>
+            </a:r>
+            <a:r>
+              <a:rPr lang="zh-TW" altLang="en-US" sz="2400" dirty="0" smtClean="0"/>
+              <a:t>皆已修改</a:t>
+            </a:r>
+            <a:r>
+              <a:rPr lang="en-US" altLang="zh-TW" sz="2400" dirty="0" smtClean="0"/>
+              <a:t>)</a:t>
+            </a:r>
+          </a:p>
+          <a:p>
+            <a:endParaRPr lang="en-US" altLang="zh-TW" sz="2400" dirty="0"/>
+          </a:p>
+          <a:p>
+            <a:pPr marL="285750" indent="-285750">
+              <a:buFont typeface="Wingdings" panose="05000000000000000000" pitchFamily="2" charset="2"/>
+              <a:buChar char="l"/>
+            </a:pPr>
+            <a:r>
+              <a:rPr lang="en-US" altLang="zh-TW" sz="2400" dirty="0" smtClean="0"/>
+              <a:t>http</a:t>
+            </a:r>
+            <a:r>
+              <a:rPr lang="zh-TW" altLang="en-US" sz="2400" dirty="0" smtClean="0"/>
+              <a:t>與</a:t>
+            </a:r>
+            <a:r>
+              <a:rPr lang="en-US" altLang="zh-TW" sz="2400" dirty="0" smtClean="0"/>
+              <a:t>https</a:t>
+            </a:r>
+            <a:r>
+              <a:rPr lang="zh-TW" altLang="en-US" sz="2400" dirty="0" smtClean="0"/>
+              <a:t>問題，我們的網站是用</a:t>
+            </a:r>
+            <a:r>
+              <a:rPr lang="en-US" altLang="zh-TW" sz="2400" dirty="0" smtClean="0"/>
+              <a:t>http</a:t>
+            </a:r>
+            <a:r>
+              <a:rPr lang="zh-TW" altLang="en-US" sz="2400" dirty="0" smtClean="0"/>
+              <a:t>連的，故不能用</a:t>
+            </a:r>
+            <a:r>
+              <a:rPr lang="en-US" altLang="zh-TW" sz="2400" dirty="0" smtClean="0"/>
+              <a:t>https</a:t>
+            </a:r>
+            <a:r>
+              <a:rPr lang="zh-TW" altLang="en-US" sz="2400" dirty="0" smtClean="0"/>
+              <a:t>開網站</a:t>
+            </a:r>
+            <a:endParaRPr lang="en-US" altLang="zh-TW" sz="2400" dirty="0" smtClean="0"/>
+          </a:p>
+          <a:p>
+            <a:pPr marL="285750" indent="-285750">
+              <a:buFont typeface="Wingdings" panose="05000000000000000000" pitchFamily="2" charset="2"/>
+              <a:buChar char="l"/>
+            </a:pPr>
+            <a:r>
+              <a:rPr lang="zh-TW" altLang="en-US" sz="2400" dirty="0"/>
+              <a:t>型管材不會隨資料庫刪除</a:t>
+            </a:r>
+          </a:p>
+          <a:p>
+            <a:pPr marL="285750" indent="-285750">
+              <a:buFont typeface="Wingdings" panose="05000000000000000000" pitchFamily="2" charset="2"/>
+              <a:buChar char="l"/>
+            </a:pPr>
+            <a:r>
+              <a:rPr lang="zh-TW" altLang="en-US" sz="2400" dirty="0"/>
+              <a:t>作物不會存到資料庫</a:t>
+            </a:r>
+          </a:p>
+          <a:p>
+            <a:pPr marL="285750" indent="-285750">
+              <a:buFont typeface="Wingdings" panose="05000000000000000000" pitchFamily="2" charset="2"/>
+              <a:buChar char="l"/>
+            </a:pPr>
+            <a:r>
+              <a:rPr lang="zh-TW" altLang="en-US" sz="2400" dirty="0"/>
+              <a:t>地形不會存到資料庫</a:t>
+            </a:r>
+          </a:p>
+          <a:p>
+            <a:pPr marL="285750" indent="-285750">
+              <a:buFont typeface="Wingdings" panose="05000000000000000000" pitchFamily="2" charset="2"/>
+              <a:buChar char="l"/>
+            </a:pPr>
+            <a:r>
+              <a:rPr lang="zh-TW" altLang="en-US" sz="2400" dirty="0"/>
+              <a:t>光溫控分析存不到資料庫</a:t>
+            </a:r>
+            <a:endParaRPr lang="en-US" altLang="zh-TW" sz="2400" dirty="0" smtClean="0"/>
+          </a:p>
+        </p:txBody>
+      </p:sp>
     </p:spTree>
     <p:extLst>
       <p:ext uri="{BB962C8B-B14F-4D97-AF65-F5344CB8AC3E}">
@@ -7553,7 +7722,7 @@
           <p:cNvPr id="2" name="矩形 1">
             <a:extLst>
               <a:ext uri="{FF2B5EF4-FFF2-40B4-BE49-F238E27FC236}">
-                <a16:creationId xmlns:a16="http://schemas.microsoft.com/office/drawing/2014/main" xmlns="" id="{6130B33B-FCB5-4AFA-8175-BA08126D80E1}"/>
+                <a16:creationId xmlns="" xmlns:a16="http://schemas.microsoft.com/office/drawing/2014/main" id="{6130B33B-FCB5-4AFA-8175-BA08126D80E1}"/>
               </a:ext>
             </a:extLst>
           </p:cNvPr>
@@ -7611,7 +7780,7 @@
           <p:cNvPr id="3" name="组合 2">
             <a:extLst>
               <a:ext uri="{FF2B5EF4-FFF2-40B4-BE49-F238E27FC236}">
-                <a16:creationId xmlns:a16="http://schemas.microsoft.com/office/drawing/2014/main" xmlns="" id="{CF3B8F59-C87E-48F7-911B-3FCC3B1922F9}"/>
+                <a16:creationId xmlns="" xmlns:a16="http://schemas.microsoft.com/office/drawing/2014/main" id="{CF3B8F59-C87E-48F7-911B-3FCC3B1922F9}"/>
               </a:ext>
             </a:extLst>
           </p:cNvPr>
@@ -7631,7 +7800,7 @@
             <p:cNvPr id="4" name="文本框 3">
               <a:extLst>
                 <a:ext uri="{FF2B5EF4-FFF2-40B4-BE49-F238E27FC236}">
-                  <a16:creationId xmlns:a16="http://schemas.microsoft.com/office/drawing/2014/main" xmlns="" id="{F069F7C5-7C6B-4416-BA43-7E9FF2B95F70}"/>
+                  <a16:creationId xmlns="" xmlns:a16="http://schemas.microsoft.com/office/drawing/2014/main" id="{F069F7C5-7C6B-4416-BA43-7E9FF2B95F70}"/>
                 </a:ext>
               </a:extLst>
             </p:cNvPr>
@@ -7674,7 +7843,7 @@
             <p:cNvPr id="5" name="文本框 4">
               <a:extLst>
                 <a:ext uri="{FF2B5EF4-FFF2-40B4-BE49-F238E27FC236}">
-                  <a16:creationId xmlns:a16="http://schemas.microsoft.com/office/drawing/2014/main" xmlns="" id="{E7404F6D-3A40-4203-8F0A-6169C74FB4CA}"/>
+                  <a16:creationId xmlns="" xmlns:a16="http://schemas.microsoft.com/office/drawing/2014/main" id="{E7404F6D-3A40-4203-8F0A-6169C74FB4CA}"/>
                 </a:ext>
               </a:extLst>
             </p:cNvPr>
@@ -7720,6 +7889,36 @@
           </p:txBody>
         </p:sp>
       </p:grpSp>
+      <p:sp>
+        <p:nvSpPr>
+          <p:cNvPr id="6" name="文字方塊 5"/>
+          <p:cNvSpPr txBox="1"/>
+          <p:nvPr/>
+        </p:nvSpPr>
+        <p:spPr>
+          <a:xfrm>
+            <a:off x="4204531" y="3281585"/>
+            <a:ext cx="4708732" cy="461665"/>
+          </a:xfrm>
+          <a:prstGeom prst="rect">
+            <a:avLst/>
+          </a:prstGeom>
+          <a:noFill/>
+        </p:spPr>
+        <p:txBody>
+          <a:bodyPr wrap="square" rtlCol="0">
+            <a:spAutoFit/>
+          </a:bodyPr>
+          <a:lstStyle/>
+          <a:p>
+            <a:r>
+              <a:rPr lang="zh-TW" altLang="en-US" sz="2400" dirty="0" smtClean="0"/>
+              <a:t>與總監討論接下來的網站規劃</a:t>
+            </a:r>
+            <a:endParaRPr lang="zh-TW" altLang="en-US" sz="2400" dirty="0"/>
+          </a:p>
+        </p:txBody>
+      </p:sp>
     </p:spTree>
     <p:extLst>
       <p:ext uri="{BB962C8B-B14F-4D97-AF65-F5344CB8AC3E}">
@@ -7906,7 +8105,7 @@
           <p:cNvPr id="18" name="矩形: 圆角 17">
             <a:extLst>
               <a:ext uri="{FF2B5EF4-FFF2-40B4-BE49-F238E27FC236}">
-                <a16:creationId xmlns:a16="http://schemas.microsoft.com/office/drawing/2014/main" xmlns="" id="{822EAB1A-0613-4B84-B43A-020769A84C2F}"/>
+                <a16:creationId xmlns="" xmlns:a16="http://schemas.microsoft.com/office/drawing/2014/main" id="{822EAB1A-0613-4B84-B43A-020769A84C2F}"/>
               </a:ext>
             </a:extLst>
           </p:cNvPr>
@@ -7997,7 +8196,7 @@
           <p:cNvPr id="4" name="矩形: 圆角 3">
             <a:extLst>
               <a:ext uri="{FF2B5EF4-FFF2-40B4-BE49-F238E27FC236}">
-                <a16:creationId xmlns:a16="http://schemas.microsoft.com/office/drawing/2014/main" xmlns="" id="{CFAF4C25-9AB4-4329-B21C-0F7CB88F0784}"/>
+                <a16:creationId xmlns="" xmlns:a16="http://schemas.microsoft.com/office/drawing/2014/main" id="{CFAF4C25-9AB4-4329-B21C-0F7CB88F0784}"/>
               </a:ext>
             </a:extLst>
           </p:cNvPr>
@@ -8088,7 +8287,7 @@
           <p:cNvPr id="7" name="文本框 6">
             <a:extLst>
               <a:ext uri="{FF2B5EF4-FFF2-40B4-BE49-F238E27FC236}">
-                <a16:creationId xmlns:a16="http://schemas.microsoft.com/office/drawing/2014/main" xmlns="" id="{D2947702-0219-4F74-958A-0A5A704ECCC4}"/>
+                <a16:creationId xmlns="" xmlns:a16="http://schemas.microsoft.com/office/drawing/2014/main" id="{D2947702-0219-4F74-958A-0A5A704ECCC4}"/>
               </a:ext>
             </a:extLst>
           </p:cNvPr>
@@ -8165,7 +8364,7 @@
           <p:cNvPr id="8" name="椭圆 7">
             <a:extLst>
               <a:ext uri="{FF2B5EF4-FFF2-40B4-BE49-F238E27FC236}">
-                <a16:creationId xmlns:a16="http://schemas.microsoft.com/office/drawing/2014/main" xmlns="" id="{08B93554-9443-4291-83BC-91BEC5088783}"/>
+                <a16:creationId xmlns="" xmlns:a16="http://schemas.microsoft.com/office/drawing/2014/main" id="{08B93554-9443-4291-83BC-91BEC5088783}"/>
               </a:ext>
             </a:extLst>
           </p:cNvPr>
@@ -8252,7 +8451,7 @@
           <p:cNvPr id="9" name="椭圆 8">
             <a:extLst>
               <a:ext uri="{FF2B5EF4-FFF2-40B4-BE49-F238E27FC236}">
-                <a16:creationId xmlns:a16="http://schemas.microsoft.com/office/drawing/2014/main" xmlns="" id="{16338DEE-2916-4AC7-A537-1507B9F2A824}"/>
+                <a16:creationId xmlns="" xmlns:a16="http://schemas.microsoft.com/office/drawing/2014/main" id="{16338DEE-2916-4AC7-A537-1507B9F2A824}"/>
               </a:ext>
             </a:extLst>
           </p:cNvPr>
@@ -8353,7 +8552,7 @@
         <p:random/>
       </p:transition>
     </mc:Choice>
-    <mc:Fallback xmlns="" xmlns:a16="http://schemas.microsoft.com/office/drawing/2014/main">
+    <mc:Fallback xmlns:a16="http://schemas.microsoft.com/office/drawing/2014/main" xmlns="">
       <p:transition spd="slow" advTm="3880">
         <p:random/>
       </p:transition>
@@ -8707,7 +8906,7 @@
   <a:extraClrSchemeLst/>
   <a:extLst>
     <a:ext uri="{05A4C25C-085E-4340-85A3-A5531E510DB2}">
-      <thm15:themeFamily xmlns:thm15="http://schemas.microsoft.com/office/thememl/2012/main" xmlns="" name="Office Theme" id="{62F939B6-93AF-4DB8-9C6B-D6C7DFDC589F}" vid="{4A3C46E8-61CC-4603-A589-7422A47A8E4A}"/>
+      <thm15:themeFamily xmlns="" xmlns:thm15="http://schemas.microsoft.com/office/thememl/2012/main" name="Office Theme" id="{62F939B6-93AF-4DB8-9C6B-D6C7DFDC589F}" vid="{4A3C46E8-61CC-4603-A589-7422A47A8E4A}"/>
     </a:ext>
   </a:extLst>
 </a:theme>
@@ -9253,7 +9452,7 @@
   <a:extraClrSchemeLst/>
   <a:extLst>
     <a:ext uri="{05A4C25C-085E-4340-85A3-A5531E510DB2}">
-      <thm15:themeFamily xmlns:thm15="http://schemas.microsoft.com/office/thememl/2012/main" xmlns="" name="Office Theme" id="{62F939B6-93AF-4DB8-9C6B-D6C7DFDC589F}" vid="{4A3C46E8-61CC-4603-A589-7422A47A8E4A}"/>
+      <thm15:themeFamily xmlns="" xmlns:thm15="http://schemas.microsoft.com/office/thememl/2012/main" name="Office Theme" id="{62F939B6-93AF-4DB8-9C6B-D6C7DFDC589F}" vid="{4A3C46E8-61CC-4603-A589-7422A47A8E4A}"/>
     </a:ext>
   </a:extLst>
 </a:theme>
